--- a/Proyecto Impuestos Anuales.pptx
+++ b/Proyecto Impuestos Anuales.pptx
@@ -16127,59 +16127,13 @@
       </p:grpSpPr>
       <p:sp>
         <p:nvSpPr>
-          <p:cNvPr id="2" name="Freeform 2"/>
-          <p:cNvSpPr/>
-          <p:nvPr/>
-        </p:nvSpPr>
-        <p:spPr>
-          <a:xfrm>
-            <a:off x="8333614" y="189430"/>
-            <a:ext cx="9954386" cy="9274273"/>
-          </a:xfrm>
-          <a:custGeom>
-            <a:avLst/>
-            <a:gdLst/>
-            <a:ahLst/>
-            <a:cxnLst/>
-            <a:rect l="l" t="t" r="r" b="b"/>
-            <a:pathLst>
-              <a:path w="9954386" h="9274273">
-                <a:moveTo>
-                  <a:pt x="0" y="0"/>
-                </a:moveTo>
-                <a:lnTo>
-                  <a:pt x="9954386" y="0"/>
-                </a:lnTo>
-                <a:lnTo>
-                  <a:pt x="9954386" y="9274273"/>
-                </a:lnTo>
-                <a:lnTo>
-                  <a:pt x="0" y="9274273"/>
-                </a:lnTo>
-                <a:lnTo>
-                  <a:pt x="0" y="0"/>
-                </a:lnTo>
-                <a:close/>
-              </a:path>
-            </a:pathLst>
-          </a:custGeom>
-          <a:blipFill>
-            <a:blip r:embed="rId2"/>
-            <a:stretch>
-              <a:fillRect/>
-            </a:stretch>
-          </a:blipFill>
-        </p:spPr>
-      </p:sp>
-      <p:sp>
-        <p:nvSpPr>
           <p:cNvPr id="3" name="TextBox 3"/>
           <p:cNvSpPr txBox="1"/>
           <p:nvPr/>
         </p:nvSpPr>
         <p:spPr>
           <a:xfrm>
-            <a:off x="1473580" y="3897749"/>
+            <a:off x="5181600" y="733493"/>
             <a:ext cx="6815327" cy="2397502"/>
           </a:xfrm>
           <a:prstGeom prst="rect">
@@ -16280,7 +16234,7 @@
         </p:nvSpPr>
         <p:spPr>
           <a:xfrm>
-            <a:off x="1028700" y="3631049"/>
+            <a:off x="4736720" y="838816"/>
             <a:ext cx="889760" cy="896278"/>
           </a:xfrm>
           <a:custGeom>
@@ -16311,10 +16265,10 @@
             </a:pathLst>
           </a:custGeom>
           <a:blipFill>
-            <a:blip r:embed="rId3">
+            <a:blip r:embed="rId2">
               <a:extLst>
                 <a:ext uri="{96DAC541-7B7A-43D3-8B79-37D633B846F1}">
-                  <asvg:svgBlip xmlns:asvg="http://schemas.microsoft.com/office/drawing/2016/SVG/main" r:embed="rId4"/>
+                  <asvg:svgBlip xmlns:asvg="http://schemas.microsoft.com/office/drawing/2016/SVG/main" r:embed="rId3"/>
                 </a:ext>
               </a:extLst>
             </a:blip>
@@ -16329,6 +16283,36 @@
           </a:ln>
         </p:spPr>
       </p:sp>
+      <p:pic>
+        <p:nvPicPr>
+          <p:cNvPr id="7" name="Imagen 6">
+            <a:extLst>
+              <a:ext uri="{FF2B5EF4-FFF2-40B4-BE49-F238E27FC236}">
+                <a16:creationId xmlns:a16="http://schemas.microsoft.com/office/drawing/2014/main" id="{A2BAE09E-BAA0-E1E0-7A7D-75B1D40E8E0B}"/>
+              </a:ext>
+            </a:extLst>
+          </p:cNvPr>
+          <p:cNvPicPr>
+            <a:picLocks noChangeAspect="1"/>
+          </p:cNvPicPr>
+          <p:nvPr/>
+        </p:nvPicPr>
+        <p:blipFill>
+          <a:blip r:embed="rId4"/>
+          <a:stretch>
+            <a:fillRect/>
+          </a:stretch>
+        </p:blipFill>
+        <p:spPr>
+          <a:xfrm>
+            <a:off x="914400" y="3265596"/>
+            <a:ext cx="13984652" cy="6182588"/>
+          </a:xfrm>
+          <a:prstGeom prst="rect">
+            <a:avLst/>
+          </a:prstGeom>
+        </p:spPr>
+      </p:pic>
     </p:spTree>
   </p:cSld>
   <p:clrMapOvr>
@@ -16652,8 +16636,8 @@
         </p:nvSpPr>
         <p:spPr bwMode="auto">
           <a:xfrm>
-            <a:off x="8458200" y="1783261"/>
-            <a:ext cx="9296400" cy="5078313"/>
+            <a:off x="9220200" y="5208853"/>
+            <a:ext cx="8719342" cy="4154984"/>
           </a:xfrm>
           <a:prstGeom prst="rect">
             <a:avLst/>
@@ -16718,7 +16702,7 @@
               <a:tabLst/>
             </a:pPr>
             <a:r>
-              <a:rPr kumimoji="0" lang="en-US" altLang="en-US" sz="2800" b="1" i="0" u="none" strike="noStrike" cap="none" normalizeH="0" baseline="0" dirty="0">
+              <a:rPr kumimoji="0" lang="en-US" altLang="en-US" sz="2400" b="1" i="0" u="none" strike="noStrike" cap="none" normalizeH="0" baseline="0" dirty="0">
                 <a:ln>
                   <a:noFill/>
                 </a:ln>
@@ -16733,7 +16717,7 @@
               <a:t>¿</a:t>
             </a:r>
             <a:r>
-              <a:rPr kumimoji="0" lang="en-US" altLang="en-US" sz="2800" b="1" i="0" u="none" strike="noStrike" cap="none" normalizeH="0" baseline="0" dirty="0" err="1">
+              <a:rPr kumimoji="0" lang="en-US" altLang="en-US" sz="2400" b="1" i="0" u="none" strike="noStrike" cap="none" normalizeH="0" baseline="0" dirty="0" err="1">
                 <a:ln>
                   <a:noFill/>
                 </a:ln>
@@ -16748,7 +16732,7 @@
               <a:t>Qué</a:t>
             </a:r>
             <a:r>
-              <a:rPr kumimoji="0" lang="en-US" altLang="en-US" sz="2800" b="1" i="0" u="none" strike="noStrike" cap="none" normalizeH="0" baseline="0" dirty="0">
+              <a:rPr kumimoji="0" lang="en-US" altLang="en-US" sz="2400" b="1" i="0" u="none" strike="noStrike" cap="none" normalizeH="0" baseline="0" dirty="0">
                 <a:ln>
                   <a:noFill/>
                 </a:ln>
@@ -16763,7 +16747,7 @@
               <a:t> </a:t>
             </a:r>
             <a:r>
-              <a:rPr kumimoji="0" lang="en-US" altLang="en-US" sz="2800" b="1" i="0" u="none" strike="noStrike" cap="none" normalizeH="0" baseline="0" dirty="0" err="1">
+              <a:rPr kumimoji="0" lang="en-US" altLang="en-US" sz="2400" b="1" i="0" u="none" strike="noStrike" cap="none" normalizeH="0" baseline="0" dirty="0" err="1">
                 <a:ln>
                   <a:noFill/>
                 </a:ln>
@@ -16778,7 +16762,7 @@
               <a:t>hace</a:t>
             </a:r>
             <a:r>
-              <a:rPr kumimoji="0" lang="en-US" altLang="en-US" sz="2800" b="1" i="0" u="none" strike="noStrike" cap="none" normalizeH="0" baseline="0" dirty="0">
+              <a:rPr kumimoji="0" lang="en-US" altLang="en-US" sz="2400" b="1" i="0" u="none" strike="noStrike" cap="none" normalizeH="0" baseline="0" dirty="0">
                 <a:ln>
                   <a:noFill/>
                 </a:ln>
@@ -16810,7 +16794,7 @@
               <a:buNone/>
               <a:tabLst/>
             </a:pPr>
-            <a:endParaRPr kumimoji="0" lang="en-US" altLang="en-US" sz="2800" b="0" i="0" u="none" strike="noStrike" cap="none" normalizeH="0" baseline="0" dirty="0">
+            <a:endParaRPr kumimoji="0" lang="en-US" altLang="en-US" sz="2400" b="0" i="0" u="none" strike="noStrike" cap="none" normalizeH="0" baseline="0" dirty="0">
               <a:ln>
                 <a:noFill/>
               </a:ln>
@@ -16839,7 +16823,7 @@
               <a:tabLst/>
             </a:pPr>
             <a:r>
-              <a:rPr kumimoji="0" lang="en-US" altLang="en-US" sz="2800" i="0" u="none" strike="noStrike" cap="none" normalizeH="0" baseline="0" dirty="0" err="1">
+              <a:rPr kumimoji="0" lang="en-US" altLang="en-US" sz="2400" i="0" u="none" strike="noStrike" cap="none" normalizeH="0" baseline="0" dirty="0" err="1">
                 <a:ln>
                   <a:noFill/>
                 </a:ln>
@@ -16853,7 +16837,7 @@
               <a:t>Pide</a:t>
             </a:r>
             <a:r>
-              <a:rPr kumimoji="0" lang="en-US" altLang="en-US" sz="2800" i="0" u="none" strike="noStrike" cap="none" normalizeH="0" baseline="0" dirty="0">
+              <a:rPr kumimoji="0" lang="en-US" altLang="en-US" sz="2400" i="0" u="none" strike="noStrike" cap="none" normalizeH="0" baseline="0" dirty="0">
                 <a:ln>
                   <a:noFill/>
                 </a:ln>
@@ -16867,7 +16851,7 @@
               <a:t> al </a:t>
             </a:r>
             <a:r>
-              <a:rPr kumimoji="0" lang="en-US" altLang="en-US" sz="2800" i="0" u="none" strike="noStrike" cap="none" normalizeH="0" baseline="0" dirty="0" err="1">
+              <a:rPr kumimoji="0" lang="en-US" altLang="en-US" sz="2400" i="0" u="none" strike="noStrike" cap="none" normalizeH="0" baseline="0" dirty="0" err="1">
                 <a:ln>
                   <a:noFill/>
                 </a:ln>
@@ -16881,7 +16865,7 @@
               <a:t>usuario</a:t>
             </a:r>
             <a:r>
-              <a:rPr kumimoji="0" lang="en-US" altLang="en-US" sz="2800" i="0" u="none" strike="noStrike" cap="none" normalizeH="0" baseline="0" dirty="0">
+              <a:rPr kumimoji="0" lang="en-US" altLang="en-US" sz="2400" i="0" u="none" strike="noStrike" cap="none" normalizeH="0" baseline="0" dirty="0">
                 <a:ln>
                   <a:noFill/>
                 </a:ln>
@@ -16895,7 +16879,7 @@
               <a:t> que </a:t>
             </a:r>
             <a:r>
-              <a:rPr kumimoji="0" lang="en-US" altLang="en-US" sz="2800" i="0" u="none" strike="noStrike" cap="none" normalizeH="0" baseline="0" dirty="0" err="1">
+              <a:rPr kumimoji="0" lang="en-US" altLang="en-US" sz="2400" i="0" u="none" strike="noStrike" cap="none" normalizeH="0" baseline="0" dirty="0" err="1">
                 <a:ln>
                   <a:noFill/>
                 </a:ln>
@@ -16909,7 +16893,7 @@
               <a:t>ingrese</a:t>
             </a:r>
             <a:r>
-              <a:rPr kumimoji="0" lang="en-US" altLang="en-US" sz="2800" i="0" u="none" strike="noStrike" cap="none" normalizeH="0" baseline="0" dirty="0">
+              <a:rPr kumimoji="0" lang="en-US" altLang="en-US" sz="2400" i="0" u="none" strike="noStrike" cap="none" normalizeH="0" baseline="0" dirty="0">
                 <a:ln>
                   <a:noFill/>
                 </a:ln>
@@ -16923,7 +16907,7 @@
               <a:t> </a:t>
             </a:r>
             <a:r>
-              <a:rPr kumimoji="0" lang="en-US" altLang="en-US" sz="2800" i="0" u="none" strike="noStrike" cap="none" normalizeH="0" baseline="0" dirty="0" err="1">
+              <a:rPr kumimoji="0" lang="en-US" altLang="en-US" sz="2400" i="0" u="none" strike="noStrike" cap="none" normalizeH="0" baseline="0" dirty="0" err="1">
                 <a:ln>
                   <a:noFill/>
                 </a:ln>
@@ -16937,7 +16921,7 @@
               <a:t>su</a:t>
             </a:r>
             <a:r>
-              <a:rPr kumimoji="0" lang="en-US" altLang="en-US" sz="2800" i="0" u="none" strike="noStrike" cap="none" normalizeH="0" baseline="0" dirty="0">
+              <a:rPr kumimoji="0" lang="en-US" altLang="en-US" sz="2400" i="0" u="none" strike="noStrike" cap="none" normalizeH="0" baseline="0" dirty="0">
                 <a:ln>
                   <a:noFill/>
                 </a:ln>
@@ -16951,7 +16935,7 @@
               <a:t> </a:t>
             </a:r>
             <a:r>
-              <a:rPr kumimoji="0" lang="en-US" altLang="en-US" sz="2800" i="0" u="none" strike="noStrike" cap="none" normalizeH="0" baseline="0" dirty="0" err="1">
+              <a:rPr kumimoji="0" lang="en-US" altLang="en-US" sz="2400" i="0" u="none" strike="noStrike" cap="none" normalizeH="0" baseline="0" dirty="0" err="1">
                 <a:ln>
                   <a:noFill/>
                 </a:ln>
@@ -16965,7 +16949,7 @@
               <a:t>sueldo</a:t>
             </a:r>
             <a:r>
-              <a:rPr kumimoji="0" lang="en-US" altLang="en-US" sz="2800" i="0" u="none" strike="noStrike" cap="none" normalizeH="0" baseline="0" dirty="0">
+              <a:rPr kumimoji="0" lang="en-US" altLang="en-US" sz="2400" i="0" u="none" strike="noStrike" cap="none" normalizeH="0" baseline="0" dirty="0">
                 <a:ln>
                   <a:noFill/>
                 </a:ln>
@@ -16979,7 +16963,7 @@
               <a:t> </a:t>
             </a:r>
             <a:r>
-              <a:rPr kumimoji="0" lang="en-US" altLang="en-US" sz="2800" i="0" u="none" strike="noStrike" cap="none" normalizeH="0" baseline="0" dirty="0" err="1">
+              <a:rPr kumimoji="0" lang="en-US" altLang="en-US" sz="2400" i="0" u="none" strike="noStrike" cap="none" normalizeH="0" baseline="0" dirty="0" err="1">
                 <a:ln>
                   <a:noFill/>
                 </a:ln>
@@ -16993,7 +16977,7 @@
               <a:t>mensual</a:t>
             </a:r>
             <a:r>
-              <a:rPr kumimoji="0" lang="en-US" altLang="en-US" sz="2800" i="0" u="none" strike="noStrike" cap="none" normalizeH="0" baseline="0" dirty="0">
+              <a:rPr kumimoji="0" lang="en-US" altLang="en-US" sz="2400" i="0" u="none" strike="noStrike" cap="none" normalizeH="0" baseline="0" dirty="0">
                 <a:ln>
                   <a:noFill/>
                 </a:ln>
@@ -17007,7 +16991,7 @@
               <a:t>, </a:t>
             </a:r>
             <a:r>
-              <a:rPr kumimoji="0" lang="en-US" altLang="en-US" sz="2800" i="0" u="none" strike="noStrike" cap="none" normalizeH="0" baseline="0" dirty="0" err="1">
+              <a:rPr kumimoji="0" lang="en-US" altLang="en-US" sz="2400" i="0" u="none" strike="noStrike" cap="none" normalizeH="0" baseline="0" dirty="0" err="1">
                 <a:ln>
                   <a:noFill/>
                 </a:ln>
@@ -17021,7 +17005,7 @@
               <a:t>mes</a:t>
             </a:r>
             <a:r>
-              <a:rPr kumimoji="0" lang="en-US" altLang="en-US" sz="2800" i="0" u="none" strike="noStrike" cap="none" normalizeH="0" baseline="0" dirty="0">
+              <a:rPr kumimoji="0" lang="en-US" altLang="en-US" sz="2400" i="0" u="none" strike="noStrike" cap="none" normalizeH="0" baseline="0" dirty="0">
                 <a:ln>
                   <a:noFill/>
                 </a:ln>
@@ -17035,7 +17019,7 @@
               <a:t> </a:t>
             </a:r>
             <a:r>
-              <a:rPr kumimoji="0" lang="en-US" altLang="en-US" sz="2800" i="0" u="none" strike="noStrike" cap="none" normalizeH="0" baseline="0" dirty="0" err="1">
+              <a:rPr kumimoji="0" lang="en-US" altLang="en-US" sz="2400" i="0" u="none" strike="noStrike" cap="none" normalizeH="0" baseline="0" dirty="0" err="1">
                 <a:ln>
                   <a:noFill/>
                 </a:ln>
@@ -17049,7 +17033,7 @@
               <a:t>por</a:t>
             </a:r>
             <a:r>
-              <a:rPr kumimoji="0" lang="en-US" altLang="en-US" sz="2800" i="0" u="none" strike="noStrike" cap="none" normalizeH="0" baseline="0" dirty="0">
+              <a:rPr kumimoji="0" lang="en-US" altLang="en-US" sz="2400" i="0" u="none" strike="noStrike" cap="none" normalizeH="0" baseline="0" dirty="0">
                 <a:ln>
                   <a:noFill/>
                 </a:ln>
@@ -17063,7 +17047,7 @@
               <a:t> </a:t>
             </a:r>
             <a:r>
-              <a:rPr kumimoji="0" lang="en-US" altLang="en-US" sz="2800" i="0" u="none" strike="noStrike" cap="none" normalizeH="0" baseline="0" dirty="0" err="1">
+              <a:rPr kumimoji="0" lang="en-US" altLang="en-US" sz="2400" i="0" u="none" strike="noStrike" cap="none" normalizeH="0" baseline="0" dirty="0" err="1">
                 <a:ln>
                   <a:noFill/>
                 </a:ln>
@@ -17077,7 +17061,7 @@
               <a:t>mes</a:t>
             </a:r>
             <a:r>
-              <a:rPr kumimoji="0" lang="en-US" altLang="en-US" sz="2800" i="0" u="none" strike="noStrike" cap="none" normalizeH="0" baseline="0" dirty="0">
+              <a:rPr kumimoji="0" lang="en-US" altLang="en-US" sz="2400" i="0" u="none" strike="noStrike" cap="none" normalizeH="0" baseline="0" dirty="0">
                 <a:ln>
                   <a:noFill/>
                 </a:ln>
@@ -17091,7 +17075,7 @@
               <a:t> (de </a:t>
             </a:r>
             <a:r>
-              <a:rPr kumimoji="0" lang="en-US" altLang="en-US" sz="2800" i="0" u="none" strike="noStrike" cap="none" normalizeH="0" baseline="0" dirty="0" err="1">
+              <a:rPr kumimoji="0" lang="en-US" altLang="en-US" sz="2400" i="0" u="none" strike="noStrike" cap="none" normalizeH="0" baseline="0" dirty="0" err="1">
                 <a:ln>
                   <a:noFill/>
                 </a:ln>
@@ -17105,7 +17089,7 @@
               <a:t>enero</a:t>
             </a:r>
             <a:r>
-              <a:rPr kumimoji="0" lang="en-US" altLang="en-US" sz="2800" i="0" u="none" strike="noStrike" cap="none" normalizeH="0" baseline="0" dirty="0">
+              <a:rPr kumimoji="0" lang="en-US" altLang="en-US" sz="2400" i="0" u="none" strike="noStrike" cap="none" normalizeH="0" baseline="0" dirty="0">
                 <a:ln>
                   <a:noFill/>
                 </a:ln>
@@ -17119,7 +17103,7 @@
               <a:t> a </a:t>
             </a:r>
             <a:r>
-              <a:rPr kumimoji="0" lang="en-US" altLang="en-US" sz="2800" i="0" u="none" strike="noStrike" cap="none" normalizeH="0" baseline="0" dirty="0" err="1">
+              <a:rPr kumimoji="0" lang="en-US" altLang="en-US" sz="2400" i="0" u="none" strike="noStrike" cap="none" normalizeH="0" baseline="0" dirty="0" err="1">
                 <a:ln>
                   <a:noFill/>
                 </a:ln>
@@ -17133,7 +17117,7 @@
               <a:t>diciembre</a:t>
             </a:r>
             <a:r>
-              <a:rPr kumimoji="0" lang="en-US" altLang="en-US" sz="2800" i="0" u="none" strike="noStrike" cap="none" normalizeH="0" baseline="0" dirty="0">
+              <a:rPr kumimoji="0" lang="en-US" altLang="en-US" sz="2400" i="0" u="none" strike="noStrike" cap="none" normalizeH="0" baseline="0" dirty="0">
                 <a:ln>
                   <a:noFill/>
                 </a:ln>
@@ -17165,7 +17149,7 @@
               <a:tabLst/>
             </a:pPr>
             <a:r>
-              <a:rPr kumimoji="0" lang="en-US" altLang="en-US" sz="2800" i="0" u="none" strike="noStrike" cap="none" normalizeH="0" baseline="0" dirty="0" err="1">
+              <a:rPr kumimoji="0" lang="en-US" altLang="en-US" sz="2400" i="0" u="none" strike="noStrike" cap="none" normalizeH="0" baseline="0" dirty="0" err="1">
                 <a:ln>
                   <a:noFill/>
                 </a:ln>
@@ -17179,7 +17163,7 @@
               <a:t>Valida</a:t>
             </a:r>
             <a:r>
-              <a:rPr kumimoji="0" lang="en-US" altLang="en-US" sz="2800" i="0" u="none" strike="noStrike" cap="none" normalizeH="0" baseline="0" dirty="0">
+              <a:rPr kumimoji="0" lang="en-US" altLang="en-US" sz="2400" i="0" u="none" strike="noStrike" cap="none" normalizeH="0" baseline="0" dirty="0">
                 <a:ln>
                   <a:noFill/>
                 </a:ln>
@@ -17193,7 +17177,7 @@
               <a:t> que no sea </a:t>
             </a:r>
             <a:r>
-              <a:rPr kumimoji="0" lang="en-US" altLang="en-US" sz="2800" i="0" u="none" strike="noStrike" cap="none" normalizeH="0" baseline="0" dirty="0" err="1">
+              <a:rPr kumimoji="0" lang="en-US" altLang="en-US" sz="2400" i="0" u="none" strike="noStrike" cap="none" normalizeH="0" baseline="0" dirty="0" err="1">
                 <a:ln>
                   <a:noFill/>
                 </a:ln>
@@ -17207,7 +17191,7 @@
               <a:t>negativo</a:t>
             </a:r>
             <a:r>
-              <a:rPr kumimoji="0" lang="en-US" altLang="en-US" sz="2800" i="0" u="none" strike="noStrike" cap="none" normalizeH="0" baseline="0" dirty="0">
+              <a:rPr kumimoji="0" lang="en-US" altLang="en-US" sz="2400" i="0" u="none" strike="noStrike" cap="none" normalizeH="0" baseline="0" dirty="0">
                 <a:ln>
                   <a:noFill/>
                 </a:ln>
@@ -17239,7 +17223,7 @@
               <a:tabLst/>
             </a:pPr>
             <a:r>
-              <a:rPr kumimoji="0" lang="en-US" altLang="en-US" sz="2800" i="0" u="none" strike="noStrike" cap="none" normalizeH="0" baseline="0" dirty="0">
+              <a:rPr kumimoji="0" lang="en-US" altLang="en-US" sz="2400" i="0" u="none" strike="noStrike" cap="none" normalizeH="0" baseline="0" dirty="0">
                 <a:ln>
                   <a:noFill/>
                 </a:ln>
@@ -17251,34 +17235,6 @@
                 <a:ea typeface="Roboto" panose="020B0604020202020204" charset="0"/>
               </a:rPr>
               <a:t>Llama al </a:t>
-            </a:r>
-            <a:r>
-              <a:rPr kumimoji="0" lang="en-US" altLang="en-US" sz="2800" i="0" u="none" strike="noStrike" cap="none" normalizeH="0" baseline="0" dirty="0" err="1">
-                <a:ln>
-                  <a:noFill/>
-                </a:ln>
-                <a:solidFill>
-                  <a:schemeClr val="tx1"/>
-                </a:solidFill>
-                <a:effectLst/>
-                <a:latin typeface="Roboto" panose="020B0604020202020204" charset="0"/>
-                <a:ea typeface="Roboto" panose="020B0604020202020204" charset="0"/>
-              </a:rPr>
-              <a:t>método</a:t>
-            </a:r>
-            <a:r>
-              <a:rPr kumimoji="0" lang="en-US" altLang="en-US" sz="2800" i="0" u="none" strike="noStrike" cap="none" normalizeH="0" baseline="0" dirty="0">
-                <a:ln>
-                  <a:noFill/>
-                </a:ln>
-                <a:solidFill>
-                  <a:schemeClr val="tx1"/>
-                </a:solidFill>
-                <a:effectLst/>
-                <a:latin typeface="Roboto" panose="020B0604020202020204" charset="0"/>
-                <a:ea typeface="Roboto" panose="020B0604020202020204" charset="0"/>
-              </a:rPr>
-              <a:t> </a:t>
             </a:r>
             <a:r>
               <a:rPr kumimoji="0" lang="en-US" altLang="en-US" sz="2400" i="0" u="none" strike="noStrike" cap="none" normalizeH="0" baseline="0" dirty="0" err="1">
@@ -17292,7 +17248,7 @@
                 <a:latin typeface="Roboto" panose="020B0604020202020204" charset="0"/>
                 <a:ea typeface="Roboto" panose="020B0604020202020204" charset="0"/>
               </a:rPr>
-              <a:t>agregarSueldo</a:t>
+              <a:t>método</a:t>
             </a:r>
             <a:r>
               <a:rPr kumimoji="0" lang="en-US" altLang="en-US" sz="2400" i="0" u="none" strike="noStrike" cap="none" normalizeH="0" baseline="0" dirty="0">
@@ -17306,10 +17262,10 @@
                 <a:latin typeface="Roboto" panose="020B0604020202020204" charset="0"/>
                 <a:ea typeface="Roboto" panose="020B0604020202020204" charset="0"/>
               </a:rPr>
-              <a:t>()</a:t>
-            </a:r>
-            <a:r>
-              <a:rPr kumimoji="0" lang="en-US" altLang="en-US" sz="4400" i="0" u="none" strike="noStrike" cap="none" normalizeH="0" baseline="0" dirty="0">
+              <a:t> </a:t>
+            </a:r>
+            <a:r>
+              <a:rPr kumimoji="0" lang="en-US" altLang="en-US" sz="2400" i="0" u="none" strike="noStrike" cap="none" normalizeH="0" baseline="0" dirty="0" err="1">
                 <a:ln>
                   <a:noFill/>
                 </a:ln>
@@ -17320,7 +17276,7 @@
                 <a:latin typeface="Roboto" panose="020B0604020202020204" charset="0"/>
                 <a:ea typeface="Roboto" panose="020B0604020202020204" charset="0"/>
               </a:rPr>
-              <a:t> </a:t>
+              <a:t>agregarSueldo</a:t>
             </a:r>
             <a:r>
               <a:rPr kumimoji="0" lang="en-US" altLang="en-US" sz="2400" i="0" u="none" strike="noStrike" cap="none" normalizeH="0" baseline="0" dirty="0">
@@ -17334,7 +17290,7 @@
                 <a:latin typeface="Roboto" panose="020B0604020202020204" charset="0"/>
                 <a:ea typeface="Roboto" panose="020B0604020202020204" charset="0"/>
               </a:rPr>
-              <a:t>para </a:t>
+              <a:t>() para </a:t>
             </a:r>
             <a:r>
               <a:rPr kumimoji="0" lang="en-US" altLang="en-US" sz="2400" i="0" u="none" strike="noStrike" cap="none" normalizeH="0" baseline="0" dirty="0" err="1">
@@ -17380,7 +17336,7 @@
               <a:buSzTx/>
               <a:tabLst/>
             </a:pPr>
-            <a:endParaRPr kumimoji="0" lang="en-US" altLang="en-US" sz="2800" b="0" i="0" u="none" strike="noStrike" cap="none" normalizeH="0" baseline="0" dirty="0">
+            <a:endParaRPr kumimoji="0" lang="en-US" altLang="en-US" sz="2400" b="0" i="0" u="none" strike="noStrike" cap="none" normalizeH="0" baseline="0" dirty="0">
               <a:ln>
                 <a:noFill/>
               </a:ln>
@@ -17409,7 +17365,7 @@
               <a:tabLst/>
             </a:pPr>
             <a:r>
-              <a:rPr kumimoji="0" lang="en-US" altLang="en-US" sz="2800" b="1" i="0" u="none" strike="noStrike" cap="none" normalizeH="0" baseline="0" dirty="0">
+              <a:rPr kumimoji="0" lang="en-US" altLang="en-US" sz="2400" b="1" i="0" u="none" strike="noStrike" cap="none" normalizeH="0" baseline="0" dirty="0">
                 <a:ln>
                   <a:noFill/>
                 </a:ln>
@@ -17424,7 +17380,7 @@
               <a:t>¿Para </a:t>
             </a:r>
             <a:r>
-              <a:rPr kumimoji="0" lang="en-US" altLang="en-US" sz="2800" b="1" i="0" u="none" strike="noStrike" cap="none" normalizeH="0" baseline="0" dirty="0" err="1">
+              <a:rPr kumimoji="0" lang="en-US" altLang="en-US" sz="2400" b="1" i="0" u="none" strike="noStrike" cap="none" normalizeH="0" baseline="0" dirty="0" err="1">
                 <a:ln>
                   <a:noFill/>
                 </a:ln>
@@ -17439,7 +17395,7 @@
               <a:t>qué</a:t>
             </a:r>
             <a:r>
-              <a:rPr kumimoji="0" lang="en-US" altLang="en-US" sz="2800" b="1" i="0" u="none" strike="noStrike" cap="none" normalizeH="0" baseline="0" dirty="0">
+              <a:rPr kumimoji="0" lang="en-US" altLang="en-US" sz="2400" b="1" i="0" u="none" strike="noStrike" cap="none" normalizeH="0" baseline="0" dirty="0">
                 <a:ln>
                   <a:noFill/>
                 </a:ln>
@@ -17454,7 +17410,7 @@
               <a:t> </a:t>
             </a:r>
             <a:r>
-              <a:rPr kumimoji="0" lang="en-US" altLang="en-US" sz="2800" b="1" i="0" u="none" strike="noStrike" cap="none" normalizeH="0" baseline="0" dirty="0" err="1">
+              <a:rPr kumimoji="0" lang="en-US" altLang="en-US" sz="2400" b="1" i="0" u="none" strike="noStrike" cap="none" normalizeH="0" baseline="0" dirty="0" err="1">
                 <a:ln>
                   <a:noFill/>
                 </a:ln>
@@ -17469,7 +17425,7 @@
               <a:t>sirve</a:t>
             </a:r>
             <a:r>
-              <a:rPr kumimoji="0" lang="en-US" altLang="en-US" sz="2800" b="1" i="0" u="none" strike="noStrike" cap="none" normalizeH="0" baseline="0" dirty="0">
+              <a:rPr kumimoji="0" lang="en-US" altLang="en-US" sz="2400" b="1" i="0" u="none" strike="noStrike" cap="none" normalizeH="0" baseline="0" dirty="0">
                 <a:ln>
                   <a:noFill/>
                 </a:ln>
@@ -17502,7 +17458,7 @@
               <a:tabLst/>
             </a:pPr>
             <a:br>
-              <a:rPr kumimoji="0" lang="en-US" altLang="en-US" sz="2800" b="0" i="0" u="none" strike="noStrike" cap="none" normalizeH="0" baseline="0" dirty="0">
+              <a:rPr kumimoji="0" lang="en-US" altLang="en-US" sz="2400" b="0" i="0" u="none" strike="noStrike" cap="none" normalizeH="0" baseline="0" dirty="0">
                 <a:ln>
                   <a:noFill/>
                 </a:ln>
@@ -17514,7 +17470,7 @@
               </a:rPr>
             </a:br>
             <a:r>
-              <a:rPr kumimoji="0" lang="en-US" altLang="en-US" sz="2800" b="0" i="0" u="none" strike="noStrike" cap="none" normalizeH="0" baseline="0" dirty="0" err="1">
+              <a:rPr kumimoji="0" lang="en-US" altLang="en-US" sz="2400" b="0" i="0" u="none" strike="noStrike" cap="none" normalizeH="0" baseline="0" dirty="0" err="1">
                 <a:ln>
                   <a:noFill/>
                 </a:ln>
@@ -17528,7 +17484,7 @@
               <a:t>Permite</a:t>
             </a:r>
             <a:r>
-              <a:rPr kumimoji="0" lang="en-US" altLang="en-US" sz="2800" b="0" i="0" u="none" strike="noStrike" cap="none" normalizeH="0" baseline="0" dirty="0">
+              <a:rPr kumimoji="0" lang="en-US" altLang="en-US" sz="2400" b="0" i="0" u="none" strike="noStrike" cap="none" normalizeH="0" baseline="0" dirty="0">
                 <a:ln>
                   <a:noFill/>
                 </a:ln>
@@ -17542,7 +17498,7 @@
               <a:t> </a:t>
             </a:r>
             <a:r>
-              <a:rPr kumimoji="0" lang="en-US" altLang="en-US" sz="2800" b="0" i="0" u="none" strike="noStrike" cap="none" normalizeH="0" baseline="0" dirty="0" err="1">
+              <a:rPr kumimoji="0" lang="en-US" altLang="en-US" sz="2400" b="0" i="0" u="none" strike="noStrike" cap="none" normalizeH="0" baseline="0" dirty="0" err="1">
                 <a:ln>
                   <a:noFill/>
                 </a:ln>
@@ -17556,7 +17512,7 @@
               <a:t>calcular</a:t>
             </a:r>
             <a:r>
-              <a:rPr kumimoji="0" lang="en-US" altLang="en-US" sz="2800" b="0" i="0" u="none" strike="noStrike" cap="none" normalizeH="0" baseline="0" dirty="0">
+              <a:rPr kumimoji="0" lang="en-US" altLang="en-US" sz="2400" b="0" i="0" u="none" strike="noStrike" cap="none" normalizeH="0" baseline="0" dirty="0">
                 <a:ln>
                   <a:noFill/>
                 </a:ln>
@@ -17570,7 +17526,7 @@
               <a:t> el </a:t>
             </a:r>
             <a:r>
-              <a:rPr kumimoji="0" lang="en-US" altLang="en-US" sz="2800" i="0" u="none" strike="noStrike" cap="none" normalizeH="0" baseline="0" dirty="0" err="1">
+              <a:rPr kumimoji="0" lang="en-US" altLang="en-US" sz="2400" i="0" u="none" strike="noStrike" cap="none" normalizeH="0" baseline="0" dirty="0" err="1">
                 <a:ln>
                   <a:noFill/>
                 </a:ln>
@@ -17584,7 +17540,7 @@
               <a:t>ingreso</a:t>
             </a:r>
             <a:r>
-              <a:rPr kumimoji="0" lang="en-US" altLang="en-US" sz="2800" i="0" u="none" strike="noStrike" cap="none" normalizeH="0" baseline="0" dirty="0">
+              <a:rPr kumimoji="0" lang="en-US" altLang="en-US" sz="2400" i="0" u="none" strike="noStrike" cap="none" normalizeH="0" baseline="0" dirty="0">
                 <a:ln>
                   <a:noFill/>
                 </a:ln>
@@ -17598,7 +17554,7 @@
               <a:t> </a:t>
             </a:r>
             <a:r>
-              <a:rPr kumimoji="0" lang="en-US" altLang="en-US" sz="2800" i="0" u="none" strike="noStrike" cap="none" normalizeH="0" baseline="0" dirty="0" err="1">
+              <a:rPr kumimoji="0" lang="en-US" altLang="en-US" sz="2400" i="0" u="none" strike="noStrike" cap="none" normalizeH="0" baseline="0" dirty="0" err="1">
                 <a:ln>
                   <a:noFill/>
                 </a:ln>
@@ -17612,7 +17568,7 @@
               <a:t>anual</a:t>
             </a:r>
             <a:r>
-              <a:rPr kumimoji="0" lang="en-US" altLang="en-US" sz="2800" i="0" u="none" strike="noStrike" cap="none" normalizeH="0" baseline="0" dirty="0">
+              <a:rPr kumimoji="0" lang="en-US" altLang="en-US" sz="2400" i="0" u="none" strike="noStrike" cap="none" normalizeH="0" baseline="0" dirty="0">
                 <a:ln>
                   <a:noFill/>
                 </a:ln>
@@ -17626,7 +17582,7 @@
               <a:t> </a:t>
             </a:r>
             <a:r>
-              <a:rPr kumimoji="0" lang="en-US" altLang="en-US" sz="2800" b="0" i="0" u="none" strike="noStrike" cap="none" normalizeH="0" baseline="0" dirty="0">
+              <a:rPr kumimoji="0" lang="en-US" altLang="en-US" sz="2400" b="0" i="0" u="none" strike="noStrike" cap="none" normalizeH="0" baseline="0" dirty="0">
                 <a:ln>
                   <a:noFill/>
                 </a:ln>
@@ -17640,7 +17596,7 @@
               <a:t>del </a:t>
             </a:r>
             <a:r>
-              <a:rPr kumimoji="0" lang="en-US" altLang="en-US" sz="2800" b="0" i="0" u="none" strike="noStrike" cap="none" normalizeH="0" baseline="0" dirty="0" err="1">
+              <a:rPr kumimoji="0" lang="en-US" altLang="en-US" sz="2400" b="0" i="0" u="none" strike="noStrike" cap="none" normalizeH="0" baseline="0" dirty="0" err="1">
                 <a:ln>
                   <a:noFill/>
                 </a:ln>
@@ -17654,7 +17610,7 @@
               <a:t>usuario</a:t>
             </a:r>
             <a:r>
-              <a:rPr kumimoji="0" lang="en-US" altLang="en-US" sz="2800" b="0" i="0" u="none" strike="noStrike" cap="none" normalizeH="0" baseline="0" dirty="0">
+              <a:rPr kumimoji="0" lang="en-US" altLang="en-US" sz="2400" b="0" i="0" u="none" strike="noStrike" cap="none" normalizeH="0" baseline="0" dirty="0">
                 <a:ln>
                   <a:noFill/>
                 </a:ln>
@@ -17668,7 +17624,7 @@
               <a:t>, que </a:t>
             </a:r>
             <a:r>
-              <a:rPr kumimoji="0" lang="en-US" altLang="en-US" sz="2800" b="0" i="0" u="none" strike="noStrike" cap="none" normalizeH="0" baseline="0" dirty="0" err="1">
+              <a:rPr kumimoji="0" lang="en-US" altLang="en-US" sz="2400" b="0" i="0" u="none" strike="noStrike" cap="none" normalizeH="0" baseline="0" dirty="0" err="1">
                 <a:ln>
                   <a:noFill/>
                 </a:ln>
@@ -17682,7 +17638,7 @@
               <a:t>es</a:t>
             </a:r>
             <a:r>
-              <a:rPr kumimoji="0" lang="en-US" altLang="en-US" sz="2800" b="0" i="0" u="none" strike="noStrike" cap="none" normalizeH="0" baseline="0" dirty="0">
+              <a:rPr kumimoji="0" lang="en-US" altLang="en-US" sz="2400" b="0" i="0" u="none" strike="noStrike" cap="none" normalizeH="0" baseline="0" dirty="0">
                 <a:ln>
                   <a:noFill/>
                 </a:ln>
@@ -17696,7 +17652,7 @@
               <a:t> el </a:t>
             </a:r>
             <a:r>
-              <a:rPr kumimoji="0" lang="en-US" altLang="en-US" sz="2800" b="0" i="0" u="none" strike="noStrike" cap="none" normalizeH="0" baseline="0" dirty="0" err="1">
+              <a:rPr kumimoji="0" lang="en-US" altLang="en-US" sz="2400" b="0" i="0" u="none" strike="noStrike" cap="none" normalizeH="0" baseline="0" dirty="0" err="1">
                 <a:ln>
                   <a:noFill/>
                 </a:ln>
@@ -17710,7 +17666,7 @@
               <a:t>punto</a:t>
             </a:r>
             <a:r>
-              <a:rPr kumimoji="0" lang="en-US" altLang="en-US" sz="2800" b="0" i="0" u="none" strike="noStrike" cap="none" normalizeH="0" baseline="0" dirty="0">
+              <a:rPr kumimoji="0" lang="en-US" altLang="en-US" sz="2400" b="0" i="0" u="none" strike="noStrike" cap="none" normalizeH="0" baseline="0" dirty="0">
                 <a:ln>
                   <a:noFill/>
                 </a:ln>
@@ -17724,7 +17680,7 @@
               <a:t> de </a:t>
             </a:r>
             <a:r>
-              <a:rPr kumimoji="0" lang="en-US" altLang="en-US" sz="2800" b="0" i="0" u="none" strike="noStrike" cap="none" normalizeH="0" baseline="0" dirty="0" err="1">
+              <a:rPr kumimoji="0" lang="en-US" altLang="en-US" sz="2400" b="0" i="0" u="none" strike="noStrike" cap="none" normalizeH="0" baseline="0" dirty="0" err="1">
                 <a:ln>
                   <a:noFill/>
                 </a:ln>
@@ -17738,7 +17694,7 @@
               <a:t>partida</a:t>
             </a:r>
             <a:r>
-              <a:rPr kumimoji="0" lang="en-US" altLang="en-US" sz="2800" b="0" i="0" u="none" strike="noStrike" cap="none" normalizeH="0" baseline="0" dirty="0">
+              <a:rPr kumimoji="0" lang="en-US" altLang="en-US" sz="2400" b="0" i="0" u="none" strike="noStrike" cap="none" normalizeH="0" baseline="0" dirty="0">
                 <a:ln>
                   <a:noFill/>
                 </a:ln>
@@ -17752,7 +17708,7 @@
               <a:t> para </a:t>
             </a:r>
             <a:r>
-              <a:rPr kumimoji="0" lang="en-US" altLang="en-US" sz="2800" b="0" i="0" u="none" strike="noStrike" cap="none" normalizeH="0" baseline="0" dirty="0" err="1">
+              <a:rPr kumimoji="0" lang="en-US" altLang="en-US" sz="2400" b="0" i="0" u="none" strike="noStrike" cap="none" normalizeH="0" baseline="0" dirty="0" err="1">
                 <a:ln>
                   <a:noFill/>
                 </a:ln>
@@ -17766,7 +17722,7 @@
               <a:t>calcular</a:t>
             </a:r>
             <a:r>
-              <a:rPr kumimoji="0" lang="en-US" altLang="en-US" sz="2800" b="0" i="0" u="none" strike="noStrike" cap="none" normalizeH="0" baseline="0" dirty="0">
+              <a:rPr kumimoji="0" lang="en-US" altLang="en-US" sz="2400" b="0" i="0" u="none" strike="noStrike" cap="none" normalizeH="0" baseline="0" dirty="0">
                 <a:ln>
                   <a:noFill/>
                 </a:ln>
@@ -17780,7 +17736,7 @@
               <a:t> el </a:t>
             </a:r>
             <a:r>
-              <a:rPr kumimoji="0" lang="en-US" altLang="en-US" sz="2800" b="0" i="0" u="none" strike="noStrike" cap="none" normalizeH="0" baseline="0" dirty="0" err="1">
+              <a:rPr kumimoji="0" lang="en-US" altLang="en-US" sz="2400" b="0" i="0" u="none" strike="noStrike" cap="none" normalizeH="0" baseline="0" dirty="0" err="1">
                 <a:ln>
                   <a:noFill/>
                 </a:ln>
@@ -17794,7 +17750,7 @@
               <a:t>impuesto</a:t>
             </a:r>
             <a:r>
-              <a:rPr kumimoji="0" lang="en-US" altLang="en-US" sz="2800" b="0" i="0" u="none" strike="noStrike" cap="none" normalizeH="0" baseline="0" dirty="0">
+              <a:rPr kumimoji="0" lang="en-US" altLang="en-US" sz="2400" b="0" i="0" u="none" strike="noStrike" cap="none" normalizeH="0" baseline="0" dirty="0">
                 <a:ln>
                   <a:noFill/>
                 </a:ln>
@@ -17812,31 +17768,62 @@
       </p:sp>
       <p:pic>
         <p:nvPicPr>
-          <p:cNvPr id="14" name="Imagen 13"/>
-          <p:cNvPicPr/>
+          <p:cNvPr id="10" name="Imagen 9">
+            <a:extLst>
+              <a:ext uri="{FF2B5EF4-FFF2-40B4-BE49-F238E27FC236}">
+                <a16:creationId xmlns:a16="http://schemas.microsoft.com/office/drawing/2014/main" id="{E18DE21E-C02F-B2A9-E153-C9D15BA9F5C3}"/>
+              </a:ext>
+            </a:extLst>
+          </p:cNvPr>
+          <p:cNvPicPr>
+            <a:picLocks noChangeAspect="1"/>
+          </p:cNvPicPr>
           <p:nvPr/>
         </p:nvPicPr>
-        <p:blipFill rotWithShape="1">
+        <p:blipFill>
           <a:blip r:embed="rId4"/>
-          <a:srcRect l="3734" t="32157" r="51459" b="39592"/>
-          <a:stretch/>
+          <a:stretch>
+            <a:fillRect/>
+          </a:stretch>
         </p:blipFill>
-        <p:spPr bwMode="auto">
+        <p:spPr>
           <a:xfrm>
-            <a:off x="315120" y="1783260"/>
-            <a:ext cx="7914480" cy="4427039"/>
+            <a:off x="2514600" y="1588437"/>
+            <a:ext cx="11714780" cy="2370042"/>
           </a:xfrm>
           <a:prstGeom prst="rect">
             <a:avLst/>
           </a:prstGeom>
-          <a:ln>
-            <a:noFill/>
-          </a:ln>
-          <a:extLst>
-            <a:ext uri="{53640926-AAD7-44D8-BBD7-CCE9431645EC}">
-              <a14:shadowObscured xmlns:a14="http://schemas.microsoft.com/office/drawing/2010/main"/>
-            </a:ext>
-          </a:extLst>
+        </p:spPr>
+      </p:pic>
+      <p:pic>
+        <p:nvPicPr>
+          <p:cNvPr id="15" name="Imagen 14">
+            <a:extLst>
+              <a:ext uri="{FF2B5EF4-FFF2-40B4-BE49-F238E27FC236}">
+                <a16:creationId xmlns:a16="http://schemas.microsoft.com/office/drawing/2014/main" id="{DB3D00AD-3522-3787-B747-324F0A65E1AD}"/>
+              </a:ext>
+            </a:extLst>
+          </p:cNvPr>
+          <p:cNvPicPr>
+            <a:picLocks noChangeAspect="1"/>
+          </p:cNvPicPr>
+          <p:nvPr/>
+        </p:nvPicPr>
+        <p:blipFill>
+          <a:blip r:embed="rId5"/>
+          <a:stretch>
+            <a:fillRect/>
+          </a:stretch>
+        </p:blipFill>
+        <p:spPr>
+          <a:xfrm>
+            <a:off x="310356" y="4532503"/>
+            <a:ext cx="8888385" cy="4166060"/>
+          </a:xfrm>
+          <a:prstGeom prst="rect">
+            <a:avLst/>
+          </a:prstGeom>
         </p:spPr>
       </p:pic>
     </p:spTree>
@@ -18111,35 +18098,6 @@
           </a:ln>
         </p:spPr>
       </p:sp>
-      <p:pic>
-        <p:nvPicPr>
-          <p:cNvPr id="14" name="Imagen 13"/>
-          <p:cNvPicPr/>
-          <p:nvPr/>
-        </p:nvPicPr>
-        <p:blipFill rotWithShape="1">
-          <a:blip r:embed="rId4"/>
-          <a:srcRect l="3055" t="9918" r="67583" b="68142"/>
-          <a:stretch/>
-        </p:blipFill>
-        <p:spPr bwMode="auto">
-          <a:xfrm>
-            <a:off x="646373" y="1790700"/>
-            <a:ext cx="7354627" cy="4800600"/>
-          </a:xfrm>
-          <a:prstGeom prst="rect">
-            <a:avLst/>
-          </a:prstGeom>
-          <a:ln>
-            <a:noFill/>
-          </a:ln>
-          <a:extLst>
-            <a:ext uri="{53640926-AAD7-44D8-BBD7-CCE9431645EC}">
-              <a14:shadowObscured xmlns:a14="http://schemas.microsoft.com/office/drawing/2010/main"/>
-            </a:ext>
-          </a:extLst>
-        </p:spPr>
-      </p:pic>
       <p:sp>
         <p:nvSpPr>
           <p:cNvPr id="9" name="Rectángulo 8"/>
@@ -18148,8 +18106,8 @@
         </p:nvSpPr>
         <p:spPr>
           <a:xfrm>
-            <a:off x="8153400" y="1790700"/>
-            <a:ext cx="10134600" cy="7848302"/>
+            <a:off x="1028700" y="4305300"/>
+            <a:ext cx="15544800" cy="4401205"/>
           </a:xfrm>
           <a:prstGeom prst="rect">
             <a:avLst/>
@@ -18162,7 +18120,7 @@
           <a:lstStyle/>
           <a:p>
             <a:r>
-              <a:rPr lang="es-ES" sz="3600" b="1" dirty="0">
+              <a:rPr lang="es-ES" sz="2800" b="1" dirty="0">
                 <a:solidFill>
                   <a:schemeClr val="accent1">
                     <a:lumMod val="75000"/>
@@ -18174,7 +18132,7 @@
             </a:r>
           </a:p>
           <a:p>
-            <a:endParaRPr lang="es-ES" sz="3600" dirty="0">
+            <a:endParaRPr lang="es-ES" sz="2800" dirty="0">
               <a:latin typeface="Roboto" panose="020B0604020202020204" charset="0"/>
               <a:ea typeface="Roboto" panose="020B0604020202020204" charset="0"/>
             </a:endParaRPr>
@@ -18185,7 +18143,7 @@
               <a:buChar char="•"/>
             </a:pPr>
             <a:r>
-              <a:rPr lang="es-ES" sz="3600" dirty="0">
+              <a:rPr lang="es-ES" sz="2800" dirty="0">
                 <a:latin typeface="Roboto" panose="020B0604020202020204" charset="0"/>
                 <a:ea typeface="Roboto" panose="020B0604020202020204" charset="0"/>
               </a:rPr>
@@ -18198,7 +18156,7 @@
               <a:buChar char="•"/>
             </a:pPr>
             <a:r>
-              <a:rPr lang="es-ES" sz="3600" dirty="0">
+              <a:rPr lang="es-ES" sz="2800" dirty="0">
                 <a:latin typeface="Roboto" panose="020B0604020202020204" charset="0"/>
                 <a:ea typeface="Roboto" panose="020B0604020202020204" charset="0"/>
               </a:rPr>
@@ -18211,7 +18169,7 @@
               <a:buChar char="•"/>
             </a:pPr>
             <a:r>
-              <a:rPr lang="es-ES" sz="3600" dirty="0">
+              <a:rPr lang="es-ES" sz="2800" dirty="0">
                 <a:latin typeface="Roboto" panose="020B0604020202020204" charset="0"/>
                 <a:ea typeface="Roboto" panose="020B0604020202020204" charset="0"/>
               </a:rPr>
@@ -18223,11 +18181,11 @@
               <a:buFont typeface="Arial" panose="020B0604020202020204" pitchFamily="34" charset="0"/>
               <a:buChar char="•"/>
             </a:pPr>
-            <a:endParaRPr lang="es-ES" sz="3600" dirty="0"/>
+            <a:endParaRPr lang="es-ES" sz="2800" dirty="0"/>
           </a:p>
           <a:p>
             <a:r>
-              <a:rPr lang="es-ES" sz="3600" b="1" dirty="0">
+              <a:rPr lang="es-ES" sz="2800" b="1" dirty="0">
                 <a:solidFill>
                   <a:schemeClr val="accent1">
                     <a:lumMod val="75000"/>
@@ -18240,10 +18198,10 @@
           </a:p>
           <a:p>
             <a:br>
-              <a:rPr lang="es-ES" sz="3600" dirty="0"/>
+              <a:rPr lang="es-ES" sz="2800" dirty="0"/>
             </a:br>
             <a:r>
-              <a:rPr lang="es-ES" sz="3600" dirty="0">
+              <a:rPr lang="es-ES" sz="2800" dirty="0">
                 <a:latin typeface="Roboto" panose="020B0604020202020204" charset="0"/>
                 <a:ea typeface="Roboto" panose="020B0604020202020204" charset="0"/>
               </a:rPr>
@@ -18252,6 +18210,36 @@
           </a:p>
         </p:txBody>
       </p:sp>
+      <p:pic>
+        <p:nvPicPr>
+          <p:cNvPr id="13" name="Imagen 12">
+            <a:extLst>
+              <a:ext uri="{FF2B5EF4-FFF2-40B4-BE49-F238E27FC236}">
+                <a16:creationId xmlns:a16="http://schemas.microsoft.com/office/drawing/2014/main" id="{4E5E604B-FCB5-C2F3-AE0E-641E123CB870}"/>
+              </a:ext>
+            </a:extLst>
+          </p:cNvPr>
+          <p:cNvPicPr>
+            <a:picLocks noChangeAspect="1"/>
+          </p:cNvPicPr>
+          <p:nvPr/>
+        </p:nvPicPr>
+        <p:blipFill>
+          <a:blip r:embed="rId4"/>
+          <a:stretch>
+            <a:fillRect/>
+          </a:stretch>
+        </p:blipFill>
+        <p:spPr>
+          <a:xfrm>
+            <a:off x="1676400" y="773874"/>
+            <a:ext cx="16185112" cy="3221535"/>
+          </a:xfrm>
+          <a:prstGeom prst="rect">
+            <a:avLst/>
+          </a:prstGeom>
+        </p:spPr>
+      </p:pic>
     </p:spTree>
     <p:extLst>
       <p:ext uri="{BB962C8B-B14F-4D97-AF65-F5344CB8AC3E}">
@@ -18529,35 +18517,6 @@
           </a:ln>
         </p:spPr>
       </p:sp>
-      <p:pic>
-        <p:nvPicPr>
-          <p:cNvPr id="11" name="Imagen 10"/>
-          <p:cNvPicPr/>
-          <p:nvPr/>
-        </p:nvPicPr>
-        <p:blipFill rotWithShape="1">
-          <a:blip r:embed="rId4"/>
-          <a:srcRect l="3734" t="23442" r="46538" b="8035"/>
-          <a:stretch/>
-        </p:blipFill>
-        <p:spPr bwMode="auto">
-          <a:xfrm>
-            <a:off x="457200" y="1361894"/>
-            <a:ext cx="8610600" cy="7737116"/>
-          </a:xfrm>
-          <a:prstGeom prst="rect">
-            <a:avLst/>
-          </a:prstGeom>
-          <a:ln>
-            <a:noFill/>
-          </a:ln>
-          <a:extLst>
-            <a:ext uri="{53640926-AAD7-44D8-BBD7-CCE9431645EC}">
-              <a14:shadowObscured xmlns:a14="http://schemas.microsoft.com/office/drawing/2010/main"/>
-            </a:ext>
-          </a:extLst>
-        </p:spPr>
-      </p:pic>
       <p:sp>
         <p:nvSpPr>
           <p:cNvPr id="10" name="Rectangle 1"/>
@@ -19967,6 +19926,36 @@
           </a:p>
         </p:txBody>
       </p:sp>
+      <p:pic>
+        <p:nvPicPr>
+          <p:cNvPr id="12" name="Imagen 11">
+            <a:extLst>
+              <a:ext uri="{FF2B5EF4-FFF2-40B4-BE49-F238E27FC236}">
+                <a16:creationId xmlns:a16="http://schemas.microsoft.com/office/drawing/2014/main" id="{D588E5E0-A5F3-4C90-0281-17027E9CF131}"/>
+              </a:ext>
+            </a:extLst>
+          </p:cNvPr>
+          <p:cNvPicPr>
+            <a:picLocks noChangeAspect="1"/>
+          </p:cNvPicPr>
+          <p:nvPr/>
+        </p:nvPicPr>
+        <p:blipFill>
+          <a:blip r:embed="rId4"/>
+          <a:stretch>
+            <a:fillRect/>
+          </a:stretch>
+        </p:blipFill>
+        <p:spPr>
+          <a:xfrm>
+            <a:off x="267494" y="1485900"/>
+            <a:ext cx="9078735" cy="6553200"/>
+          </a:xfrm>
+          <a:prstGeom prst="rect">
+            <a:avLst/>
+          </a:prstGeom>
+        </p:spPr>
+      </p:pic>
     </p:spTree>
     <p:extLst>
       <p:ext uri="{BB962C8B-B14F-4D97-AF65-F5344CB8AC3E}">
